--- a/1_design/template/Template.pptx
+++ b/1_design/template/Template.pptx
@@ -6,13 +6,14 @@
   </p:sldMasterIdLst>
   <p:sldIdLst>
     <p:sldId id="267" r:id="rId2"/>
-    <p:sldId id="278" r:id="rId3"/>
-    <p:sldId id="277" r:id="rId4"/>
-    <p:sldId id="271" r:id="rId5"/>
-    <p:sldId id="276" r:id="rId6"/>
-    <p:sldId id="275" r:id="rId7"/>
-    <p:sldId id="274" r:id="rId8"/>
-    <p:sldId id="265" r:id="rId9"/>
+    <p:sldId id="279" r:id="rId3"/>
+    <p:sldId id="278" r:id="rId4"/>
+    <p:sldId id="277" r:id="rId5"/>
+    <p:sldId id="271" r:id="rId6"/>
+    <p:sldId id="276" r:id="rId7"/>
+    <p:sldId id="275" r:id="rId8"/>
+    <p:sldId id="274" r:id="rId9"/>
+    <p:sldId id="265" r:id="rId10"/>
   </p:sldIdLst>
   <p:sldSz cx="18288000" cy="10287000"/>
   <p:notesSz cx="6858000" cy="9144000"/>
@@ -250,7 +251,7 @@
           <a:p>
             <a:fld id="{4C66EB6C-F23B-4C0C-BAB8-D350B376B691}" type="datetimeFigureOut">
               <a:rPr lang="es-ES" smtClean="0"/>
-              <a:t>14/06/2025</a:t>
+              <a:t>24/06/2025</a:t>
             </a:fld>
             <a:endParaRPr lang="es-ES"/>
           </a:p>
@@ -420,7 +421,7 @@
           <a:p>
             <a:fld id="{4C66EB6C-F23B-4C0C-BAB8-D350B376B691}" type="datetimeFigureOut">
               <a:rPr lang="es-ES" smtClean="0"/>
-              <a:t>14/06/2025</a:t>
+              <a:t>24/06/2025</a:t>
             </a:fld>
             <a:endParaRPr lang="es-ES"/>
           </a:p>
@@ -600,7 +601,7 @@
           <a:p>
             <a:fld id="{4C66EB6C-F23B-4C0C-BAB8-D350B376B691}" type="datetimeFigureOut">
               <a:rPr lang="es-ES" smtClean="0"/>
-              <a:t>14/06/2025</a:t>
+              <a:t>24/06/2025</a:t>
             </a:fld>
             <a:endParaRPr lang="es-ES"/>
           </a:p>
@@ -770,7 +771,7 @@
           <a:p>
             <a:fld id="{4C66EB6C-F23B-4C0C-BAB8-D350B376B691}" type="datetimeFigureOut">
               <a:rPr lang="es-ES" smtClean="0"/>
-              <a:t>14/06/2025</a:t>
+              <a:t>24/06/2025</a:t>
             </a:fld>
             <a:endParaRPr lang="es-ES"/>
           </a:p>
@@ -1016,7 +1017,7 @@
           <a:p>
             <a:fld id="{4C66EB6C-F23B-4C0C-BAB8-D350B376B691}" type="datetimeFigureOut">
               <a:rPr lang="es-ES" smtClean="0"/>
-              <a:t>14/06/2025</a:t>
+              <a:t>24/06/2025</a:t>
             </a:fld>
             <a:endParaRPr lang="es-ES"/>
           </a:p>
@@ -1248,7 +1249,7 @@
           <a:p>
             <a:fld id="{4C66EB6C-F23B-4C0C-BAB8-D350B376B691}" type="datetimeFigureOut">
               <a:rPr lang="es-ES" smtClean="0"/>
-              <a:t>14/06/2025</a:t>
+              <a:t>24/06/2025</a:t>
             </a:fld>
             <a:endParaRPr lang="es-ES"/>
           </a:p>
@@ -1615,7 +1616,7 @@
           <a:p>
             <a:fld id="{4C66EB6C-F23B-4C0C-BAB8-D350B376B691}" type="datetimeFigureOut">
               <a:rPr lang="es-ES" smtClean="0"/>
-              <a:t>14/06/2025</a:t>
+              <a:t>24/06/2025</a:t>
             </a:fld>
             <a:endParaRPr lang="es-ES"/>
           </a:p>
@@ -1733,7 +1734,7 @@
           <a:p>
             <a:fld id="{4C66EB6C-F23B-4C0C-BAB8-D350B376B691}" type="datetimeFigureOut">
               <a:rPr lang="es-ES" smtClean="0"/>
-              <a:t>14/06/2025</a:t>
+              <a:t>24/06/2025</a:t>
             </a:fld>
             <a:endParaRPr lang="es-ES"/>
           </a:p>
@@ -1828,7 +1829,7 @@
           <a:p>
             <a:fld id="{4C66EB6C-F23B-4C0C-BAB8-D350B376B691}" type="datetimeFigureOut">
               <a:rPr lang="es-ES" smtClean="0"/>
-              <a:t>14/06/2025</a:t>
+              <a:t>24/06/2025</a:t>
             </a:fld>
             <a:endParaRPr lang="es-ES"/>
           </a:p>
@@ -2105,7 +2106,7 @@
           <a:p>
             <a:fld id="{4C66EB6C-F23B-4C0C-BAB8-D350B376B691}" type="datetimeFigureOut">
               <a:rPr lang="es-ES" smtClean="0"/>
-              <a:t>14/06/2025</a:t>
+              <a:t>24/06/2025</a:t>
             </a:fld>
             <a:endParaRPr lang="es-ES"/>
           </a:p>
@@ -2362,7 +2363,7 @@
           <a:p>
             <a:fld id="{4C66EB6C-F23B-4C0C-BAB8-D350B376B691}" type="datetimeFigureOut">
               <a:rPr lang="es-ES" smtClean="0"/>
-              <a:t>14/06/2025</a:t>
+              <a:t>24/06/2025</a:t>
             </a:fld>
             <a:endParaRPr lang="es-ES"/>
           </a:p>
@@ -2575,7 +2576,7 @@
           <a:p>
             <a:fld id="{4C66EB6C-F23B-4C0C-BAB8-D350B376B691}" type="datetimeFigureOut">
               <a:rPr lang="es-ES" smtClean="0"/>
-              <a:t>14/06/2025</a:t>
+              <a:t>24/06/2025</a:t>
             </a:fld>
             <a:endParaRPr lang="es-ES"/>
           </a:p>
@@ -3326,6 +3327,902 @@
               </a:schemeClr>
             </a:gs>
             <a:gs pos="0">
+              <a:srgbClr val="FFF4D5"/>
+            </a:gs>
+            <a:gs pos="100000">
+              <a:srgbClr val="D4E4F4"/>
+            </a:gs>
+          </a:gsLst>
+          <a:lin ang="3000000" scaled="0"/>
+          <a:tileRect/>
+        </a:gradFill>
+        <a:effectLst/>
+      </p:bgPr>
+    </p:bg>
+    <p:spTree>
+      <p:nvGrpSpPr>
+        <p:cNvPr id="1" name="">
+          <a:extLst>
+            <a:ext uri="{FF2B5EF4-FFF2-40B4-BE49-F238E27FC236}">
+              <a16:creationId xmlns:a16="http://schemas.microsoft.com/office/drawing/2014/main" id="{D9BA4542-0D71-94EF-4425-78B2CE39C02E}"/>
+            </a:ext>
+          </a:extLst>
+        </p:cNvPr>
+        <p:cNvGrpSpPr/>
+        <p:nvPr/>
+      </p:nvGrpSpPr>
+      <p:grpSpPr>
+        <a:xfrm>
+          <a:off x="0" y="0"/>
+          <a:ext cx="0" cy="0"/>
+          <a:chOff x="0" y="0"/>
+          <a:chExt cx="0" cy="0"/>
+        </a:xfrm>
+      </p:grpSpPr>
+      <p:sp>
+        <p:nvSpPr>
+          <p:cNvPr id="6" name="Rectángulo: esquinas redondeadas 5">
+            <a:extLst>
+              <a:ext uri="{FF2B5EF4-FFF2-40B4-BE49-F238E27FC236}">
+                <a16:creationId xmlns:a16="http://schemas.microsoft.com/office/drawing/2014/main" id="{3E051AC5-32B7-1CF1-4A7C-5620B4187A12}"/>
+              </a:ext>
+            </a:extLst>
+          </p:cNvPr>
+          <p:cNvSpPr/>
+          <p:nvPr/>
+        </p:nvSpPr>
+        <p:spPr>
+          <a:xfrm>
+            <a:off x="4533900" y="1180924"/>
+            <a:ext cx="10287000" cy="8806647"/>
+          </a:xfrm>
+          <a:prstGeom prst="roundRect">
+            <a:avLst>
+              <a:gd name="adj" fmla="val 12465"/>
+            </a:avLst>
+          </a:prstGeom>
+          <a:solidFill>
+            <a:schemeClr val="bg1">
+              <a:alpha val="50000"/>
+            </a:schemeClr>
+          </a:solidFill>
+          <a:ln>
+            <a:noFill/>
+          </a:ln>
+        </p:spPr>
+        <p:style>
+          <a:lnRef idx="2">
+            <a:schemeClr val="accent1">
+              <a:shade val="15000"/>
+            </a:schemeClr>
+          </a:lnRef>
+          <a:fillRef idx="1">
+            <a:schemeClr val="accent1"/>
+          </a:fillRef>
+          <a:effectRef idx="0">
+            <a:schemeClr val="accent1"/>
+          </a:effectRef>
+          <a:fontRef idx="minor">
+            <a:schemeClr val="lt1"/>
+          </a:fontRef>
+        </p:style>
+        <p:txBody>
+          <a:bodyPr rtlCol="0" anchor="ctr"/>
+          <a:lstStyle/>
+          <a:p>
+            <a:pPr algn="ctr"/>
+            <a:endParaRPr lang="es-ES" dirty="0"/>
+          </a:p>
+        </p:txBody>
+      </p:sp>
+      <p:sp>
+        <p:nvSpPr>
+          <p:cNvPr id="2" name="Elipse 1">
+            <a:extLst>
+              <a:ext uri="{FF2B5EF4-FFF2-40B4-BE49-F238E27FC236}">
+                <a16:creationId xmlns:a16="http://schemas.microsoft.com/office/drawing/2014/main" id="{061E00F0-A271-5D58-A2ED-4E9B33D98205}"/>
+              </a:ext>
+            </a:extLst>
+          </p:cNvPr>
+          <p:cNvSpPr/>
+          <p:nvPr/>
+        </p:nvSpPr>
+        <p:spPr>
+          <a:xfrm>
+            <a:off x="1340252" y="1226354"/>
+            <a:ext cx="4097438" cy="4097438"/>
+          </a:xfrm>
+          <a:prstGeom prst="ellipse">
+            <a:avLst/>
+          </a:prstGeom>
+          <a:gradFill flip="none" rotWithShape="1">
+            <a:gsLst>
+              <a:gs pos="0">
+                <a:srgbClr val="9A7500">
+                  <a:alpha val="75000"/>
+                </a:srgbClr>
+              </a:gs>
+              <a:gs pos="100000">
+                <a:schemeClr val="bg1">
+                  <a:lumMod val="95000"/>
+                </a:schemeClr>
+              </a:gs>
+              <a:gs pos="33000">
+                <a:schemeClr val="accent4">
+                  <a:lumMod val="40000"/>
+                  <a:lumOff val="60000"/>
+                  <a:alpha val="71000"/>
+                </a:schemeClr>
+              </a:gs>
+              <a:gs pos="66000">
+                <a:srgbClr val="FFFBEF"/>
+              </a:gs>
+            </a:gsLst>
+            <a:lin ang="6600000" scaled="0"/>
+            <a:tileRect/>
+          </a:gradFill>
+          <a:ln>
+            <a:noFill/>
+          </a:ln>
+          <a:effectLst>
+            <a:outerShdw blurRad="1270000" dist="800100" dir="7200000" sx="98000" sy="98000" algn="tr" rotWithShape="0">
+              <a:prstClr val="black">
+                <a:alpha val="29000"/>
+              </a:prstClr>
+            </a:outerShdw>
+          </a:effectLst>
+        </p:spPr>
+        <p:style>
+          <a:lnRef idx="2">
+            <a:schemeClr val="accent1">
+              <a:shade val="15000"/>
+            </a:schemeClr>
+          </a:lnRef>
+          <a:fillRef idx="1">
+            <a:schemeClr val="accent1"/>
+          </a:fillRef>
+          <a:effectRef idx="0">
+            <a:schemeClr val="accent1"/>
+          </a:effectRef>
+          <a:fontRef idx="minor">
+            <a:schemeClr val="lt1"/>
+          </a:fontRef>
+        </p:style>
+        <p:txBody>
+          <a:bodyPr rtlCol="0" anchor="ctr"/>
+          <a:lstStyle/>
+          <a:p>
+            <a:pPr algn="ctr"/>
+            <a:endParaRPr lang="es-ES" dirty="0"/>
+          </a:p>
+        </p:txBody>
+      </p:sp>
+      <p:sp>
+        <p:nvSpPr>
+          <p:cNvPr id="3" name="Elipse 2">
+            <a:extLst>
+              <a:ext uri="{FF2B5EF4-FFF2-40B4-BE49-F238E27FC236}">
+                <a16:creationId xmlns:a16="http://schemas.microsoft.com/office/drawing/2014/main" id="{3E8D3B67-6170-9F56-F444-182913F89DE7}"/>
+              </a:ext>
+            </a:extLst>
+          </p:cNvPr>
+          <p:cNvSpPr/>
+          <p:nvPr/>
+        </p:nvSpPr>
+        <p:spPr>
+          <a:xfrm>
+            <a:off x="14176011" y="7441535"/>
+            <a:ext cx="4097438" cy="4097438"/>
+          </a:xfrm>
+          <a:prstGeom prst="ellipse">
+            <a:avLst/>
+          </a:prstGeom>
+          <a:gradFill flip="none" rotWithShape="1">
+            <a:gsLst>
+              <a:gs pos="0">
+                <a:schemeClr val="accent1">
+                  <a:alpha val="75000"/>
+                </a:schemeClr>
+              </a:gs>
+              <a:gs pos="100000">
+                <a:schemeClr val="bg1">
+                  <a:lumMod val="95000"/>
+                </a:schemeClr>
+              </a:gs>
+              <a:gs pos="27000">
+                <a:srgbClr val="AABBED">
+                  <a:alpha val="75000"/>
+                </a:srgbClr>
+              </a:gs>
+              <a:gs pos="64000">
+                <a:srgbClr val="ECF3FA"/>
+              </a:gs>
+            </a:gsLst>
+            <a:lin ang="6600000" scaled="0"/>
+            <a:tileRect/>
+          </a:gradFill>
+          <a:ln>
+            <a:noFill/>
+          </a:ln>
+          <a:effectLst>
+            <a:outerShdw blurRad="1270000" dist="800100" dir="7200000" sx="98000" sy="98000" algn="tr" rotWithShape="0">
+              <a:prstClr val="black">
+                <a:alpha val="29000"/>
+              </a:prstClr>
+            </a:outerShdw>
+          </a:effectLst>
+        </p:spPr>
+        <p:style>
+          <a:lnRef idx="2">
+            <a:schemeClr val="accent1">
+              <a:shade val="15000"/>
+            </a:schemeClr>
+          </a:lnRef>
+          <a:fillRef idx="1">
+            <a:schemeClr val="accent1"/>
+          </a:fillRef>
+          <a:effectRef idx="0">
+            <a:schemeClr val="accent1"/>
+          </a:effectRef>
+          <a:fontRef idx="minor">
+            <a:schemeClr val="lt1"/>
+          </a:fontRef>
+        </p:style>
+        <p:txBody>
+          <a:bodyPr rtlCol="0" anchor="ctr"/>
+          <a:lstStyle/>
+          <a:p>
+            <a:pPr algn="ctr"/>
+            <a:endParaRPr lang="es-ES" dirty="0"/>
+          </a:p>
+        </p:txBody>
+      </p:sp>
+      <p:sp>
+        <p:nvSpPr>
+          <p:cNvPr id="7" name="Rectángulo: esquinas redondeadas 6">
+            <a:extLst>
+              <a:ext uri="{FF2B5EF4-FFF2-40B4-BE49-F238E27FC236}">
+                <a16:creationId xmlns:a16="http://schemas.microsoft.com/office/drawing/2014/main" id="{209CAFFC-741C-3F7E-1A0C-3B3C7670C3F4}"/>
+              </a:ext>
+            </a:extLst>
+          </p:cNvPr>
+          <p:cNvSpPr/>
+          <p:nvPr/>
+        </p:nvSpPr>
+        <p:spPr>
+          <a:xfrm>
+            <a:off x="2781269" y="2303441"/>
+            <a:ext cx="13792262" cy="5772305"/>
+          </a:xfrm>
+          <a:prstGeom prst="roundRect">
+            <a:avLst>
+              <a:gd name="adj" fmla="val 12465"/>
+            </a:avLst>
+          </a:prstGeom>
+          <a:solidFill>
+            <a:schemeClr val="bg1"/>
+          </a:solidFill>
+          <a:ln>
+            <a:noFill/>
+          </a:ln>
+        </p:spPr>
+        <p:style>
+          <a:lnRef idx="2">
+            <a:schemeClr val="accent1">
+              <a:shade val="15000"/>
+            </a:schemeClr>
+          </a:lnRef>
+          <a:fillRef idx="1">
+            <a:schemeClr val="accent1"/>
+          </a:fillRef>
+          <a:effectRef idx="0">
+            <a:schemeClr val="accent1"/>
+          </a:effectRef>
+          <a:fontRef idx="minor">
+            <a:schemeClr val="lt1"/>
+          </a:fontRef>
+        </p:style>
+        <p:txBody>
+          <a:bodyPr rtlCol="0" anchor="ctr"/>
+          <a:lstStyle/>
+          <a:p>
+            <a:pPr algn="ctr"/>
+            <a:endParaRPr lang="es-ES"/>
+          </a:p>
+        </p:txBody>
+      </p:sp>
+      <p:sp>
+        <p:nvSpPr>
+          <p:cNvPr id="4" name="CuadroTexto 3">
+            <a:extLst>
+              <a:ext uri="{FF2B5EF4-FFF2-40B4-BE49-F238E27FC236}">
+                <a16:creationId xmlns:a16="http://schemas.microsoft.com/office/drawing/2014/main" id="{75A4C397-FD63-1A03-B30A-EAEA42268763}"/>
+              </a:ext>
+            </a:extLst>
+          </p:cNvPr>
+          <p:cNvSpPr txBox="1"/>
+          <p:nvPr/>
+        </p:nvSpPr>
+        <p:spPr>
+          <a:xfrm>
+            <a:off x="5877765" y="9084691"/>
+            <a:ext cx="1003300" cy="253916"/>
+          </a:xfrm>
+          <a:prstGeom prst="rect">
+            <a:avLst/>
+          </a:prstGeom>
+          <a:noFill/>
+        </p:spPr>
+        <p:txBody>
+          <a:bodyPr wrap="square" rtlCol="0">
+            <a:spAutoFit/>
+          </a:bodyPr>
+          <a:lstStyle/>
+          <a:p>
+            <a:r>
+              <a:rPr lang="es-ES" sz="1000" dirty="0">
+                <a:solidFill>
+                  <a:schemeClr val="tx1">
+                    <a:lumMod val="65000"/>
+                    <a:lumOff val="35000"/>
+                  </a:schemeClr>
+                </a:solidFill>
+                <a:latin typeface="Open Sans Light" panose="020B0306030504020204" pitchFamily="34" charset="0"/>
+                <a:ea typeface="Open Sans Light" panose="020B0306030504020204" pitchFamily="34" charset="0"/>
+                <a:cs typeface="Open Sans Light" panose="020B0306030504020204" pitchFamily="34" charset="0"/>
+              </a:rPr>
+              <a:t>Artists</a:t>
+            </a:r>
+            <a:endParaRPr lang="ca-ES" sz="1000" dirty="0">
+              <a:solidFill>
+                <a:schemeClr val="tx1">
+                  <a:lumMod val="65000"/>
+                  <a:lumOff val="35000"/>
+                </a:schemeClr>
+              </a:solidFill>
+              <a:latin typeface="Open Sans Light" panose="020B0306030504020204" pitchFamily="34" charset="0"/>
+              <a:ea typeface="Open Sans Light" panose="020B0306030504020204" pitchFamily="34" charset="0"/>
+              <a:cs typeface="Open Sans Light" panose="020B0306030504020204" pitchFamily="34" charset="0"/>
+            </a:endParaRPr>
+          </a:p>
+        </p:txBody>
+      </p:sp>
+      <p:sp>
+        <p:nvSpPr>
+          <p:cNvPr id="5" name="CuadroTexto 4">
+            <a:extLst>
+              <a:ext uri="{FF2B5EF4-FFF2-40B4-BE49-F238E27FC236}">
+                <a16:creationId xmlns:a16="http://schemas.microsoft.com/office/drawing/2014/main" id="{FEC5BC2F-2D0C-655C-B20E-63965545AFE2}"/>
+              </a:ext>
+            </a:extLst>
+          </p:cNvPr>
+          <p:cNvSpPr txBox="1"/>
+          <p:nvPr/>
+        </p:nvSpPr>
+        <p:spPr>
+          <a:xfrm>
+            <a:off x="5877765" y="8499729"/>
+            <a:ext cx="1003300" cy="253916"/>
+          </a:xfrm>
+          <a:prstGeom prst="rect">
+            <a:avLst/>
+          </a:prstGeom>
+          <a:noFill/>
+        </p:spPr>
+        <p:txBody>
+          <a:bodyPr wrap="square" rtlCol="0">
+            <a:spAutoFit/>
+          </a:bodyPr>
+          <a:lstStyle/>
+          <a:p>
+            <a:r>
+              <a:rPr lang="es-ES" sz="1000" dirty="0">
+                <a:solidFill>
+                  <a:schemeClr val="tx1">
+                    <a:lumMod val="65000"/>
+                    <a:lumOff val="35000"/>
+                  </a:schemeClr>
+                </a:solidFill>
+                <a:latin typeface="Open Sans Light" panose="020B0306030504020204" pitchFamily="34" charset="0"/>
+                <a:ea typeface="Open Sans Light" panose="020B0306030504020204" pitchFamily="34" charset="0"/>
+                <a:cs typeface="Open Sans Light" panose="020B0306030504020204" pitchFamily="34" charset="0"/>
+              </a:rPr>
+              <a:t>Movies</a:t>
+            </a:r>
+            <a:endParaRPr lang="ca-ES" sz="1000" dirty="0">
+              <a:solidFill>
+                <a:schemeClr val="tx1">
+                  <a:lumMod val="65000"/>
+                  <a:lumOff val="35000"/>
+                </a:schemeClr>
+              </a:solidFill>
+              <a:latin typeface="Open Sans Light" panose="020B0306030504020204" pitchFamily="34" charset="0"/>
+              <a:ea typeface="Open Sans Light" panose="020B0306030504020204" pitchFamily="34" charset="0"/>
+              <a:cs typeface="Open Sans Light" panose="020B0306030504020204" pitchFamily="34" charset="0"/>
+            </a:endParaRPr>
+          </a:p>
+        </p:txBody>
+      </p:sp>
+      <p:sp>
+        <p:nvSpPr>
+          <p:cNvPr id="8" name="CuadroTexto 7">
+            <a:extLst>
+              <a:ext uri="{FF2B5EF4-FFF2-40B4-BE49-F238E27FC236}">
+                <a16:creationId xmlns:a16="http://schemas.microsoft.com/office/drawing/2014/main" id="{B754288B-5C43-FDFB-3C70-EE33EF86F995}"/>
+              </a:ext>
+            </a:extLst>
+          </p:cNvPr>
+          <p:cNvSpPr txBox="1"/>
+          <p:nvPr/>
+        </p:nvSpPr>
+        <p:spPr>
+          <a:xfrm>
+            <a:off x="5877765" y="9669652"/>
+            <a:ext cx="1229810" cy="253916"/>
+          </a:xfrm>
+          <a:prstGeom prst="rect">
+            <a:avLst/>
+          </a:prstGeom>
+          <a:noFill/>
+        </p:spPr>
+        <p:txBody>
+          <a:bodyPr wrap="square" rtlCol="0">
+            <a:spAutoFit/>
+          </a:bodyPr>
+          <a:lstStyle/>
+          <a:p>
+            <a:r>
+              <a:rPr lang="es-ES" sz="1000" dirty="0">
+                <a:solidFill>
+                  <a:schemeClr val="tx1">
+                    <a:lumMod val="65000"/>
+                    <a:lumOff val="35000"/>
+                  </a:schemeClr>
+                </a:solidFill>
+                <a:latin typeface="Open Sans Light" panose="020B0306030504020204" pitchFamily="34" charset="0"/>
+                <a:ea typeface="Open Sans Light" panose="020B0306030504020204" pitchFamily="34" charset="0"/>
+                <a:cs typeface="Open Sans Light" panose="020B0306030504020204" pitchFamily="34" charset="0"/>
+              </a:rPr>
+              <a:t>Directors</a:t>
+            </a:r>
+            <a:endParaRPr lang="ca-ES" sz="1000" dirty="0">
+              <a:solidFill>
+                <a:schemeClr val="tx1">
+                  <a:lumMod val="65000"/>
+                  <a:lumOff val="35000"/>
+                </a:schemeClr>
+              </a:solidFill>
+              <a:latin typeface="Open Sans Light" panose="020B0306030504020204" pitchFamily="34" charset="0"/>
+              <a:ea typeface="Open Sans Light" panose="020B0306030504020204" pitchFamily="34" charset="0"/>
+              <a:cs typeface="Open Sans Light" panose="020B0306030504020204" pitchFamily="34" charset="0"/>
+            </a:endParaRPr>
+          </a:p>
+        </p:txBody>
+      </p:sp>
+      <p:sp>
+        <p:nvSpPr>
+          <p:cNvPr id="9" name="CuadroTexto 8">
+            <a:extLst>
+              <a:ext uri="{FF2B5EF4-FFF2-40B4-BE49-F238E27FC236}">
+                <a16:creationId xmlns:a16="http://schemas.microsoft.com/office/drawing/2014/main" id="{D37B2753-90CF-F6EA-5A00-AA3D38725FA3}"/>
+              </a:ext>
+            </a:extLst>
+          </p:cNvPr>
+          <p:cNvSpPr txBox="1"/>
+          <p:nvPr/>
+        </p:nvSpPr>
+        <p:spPr>
+          <a:xfrm>
+            <a:off x="8346019" y="8499729"/>
+            <a:ext cx="1229779" cy="246221"/>
+          </a:xfrm>
+          <a:prstGeom prst="rect">
+            <a:avLst/>
+          </a:prstGeom>
+          <a:noFill/>
+        </p:spPr>
+        <p:txBody>
+          <a:bodyPr wrap="square" rtlCol="0">
+            <a:spAutoFit/>
+          </a:bodyPr>
+          <a:lstStyle/>
+          <a:p>
+            <a:r>
+              <a:rPr lang="es-ES" sz="1000" dirty="0">
+                <a:solidFill>
+                  <a:schemeClr val="tx1">
+                    <a:lumMod val="65000"/>
+                    <a:lumOff val="35000"/>
+                  </a:schemeClr>
+                </a:solidFill>
+                <a:latin typeface="Open Sans Light" panose="020B0306030504020204" pitchFamily="34" charset="0"/>
+                <a:ea typeface="Open Sans Light" panose="020B0306030504020204" pitchFamily="34" charset="0"/>
+                <a:cs typeface="Open Sans Light" panose="020B0306030504020204" pitchFamily="34" charset="0"/>
+              </a:rPr>
+              <a:t>TV Shows</a:t>
+            </a:r>
+            <a:endParaRPr lang="ca-ES" sz="1000" dirty="0">
+              <a:solidFill>
+                <a:schemeClr val="tx1">
+                  <a:lumMod val="65000"/>
+                  <a:lumOff val="35000"/>
+                </a:schemeClr>
+              </a:solidFill>
+              <a:latin typeface="Open Sans Light" panose="020B0306030504020204" pitchFamily="34" charset="0"/>
+              <a:ea typeface="Open Sans Light" panose="020B0306030504020204" pitchFamily="34" charset="0"/>
+              <a:cs typeface="Open Sans Light" panose="020B0306030504020204" pitchFamily="34" charset="0"/>
+            </a:endParaRPr>
+          </a:p>
+        </p:txBody>
+      </p:sp>
+      <p:sp>
+        <p:nvSpPr>
+          <p:cNvPr id="10" name="CuadroTexto 9">
+            <a:extLst>
+              <a:ext uri="{FF2B5EF4-FFF2-40B4-BE49-F238E27FC236}">
+                <a16:creationId xmlns:a16="http://schemas.microsoft.com/office/drawing/2014/main" id="{42415062-76AA-48A2-C170-C65B2EC44AEB}"/>
+              </a:ext>
+            </a:extLst>
+          </p:cNvPr>
+          <p:cNvSpPr txBox="1"/>
+          <p:nvPr/>
+        </p:nvSpPr>
+        <p:spPr>
+          <a:xfrm>
+            <a:off x="8346019" y="9084691"/>
+            <a:ext cx="1229779" cy="246221"/>
+          </a:xfrm>
+          <a:prstGeom prst="rect">
+            <a:avLst/>
+          </a:prstGeom>
+          <a:noFill/>
+        </p:spPr>
+        <p:txBody>
+          <a:bodyPr wrap="square" rtlCol="0">
+            <a:spAutoFit/>
+          </a:bodyPr>
+          <a:lstStyle/>
+          <a:p>
+            <a:r>
+              <a:rPr lang="es-ES" sz="1000" dirty="0">
+                <a:solidFill>
+                  <a:schemeClr val="tx1">
+                    <a:lumMod val="65000"/>
+                    <a:lumOff val="35000"/>
+                  </a:schemeClr>
+                </a:solidFill>
+                <a:latin typeface="Open Sans Light" panose="020B0306030504020204" pitchFamily="34" charset="0"/>
+                <a:ea typeface="Open Sans Light" panose="020B0306030504020204" pitchFamily="34" charset="0"/>
+                <a:cs typeface="Open Sans Light" panose="020B0306030504020204" pitchFamily="34" charset="0"/>
+              </a:rPr>
+              <a:t>Episodes</a:t>
+            </a:r>
+            <a:endParaRPr lang="ca-ES" sz="1000" dirty="0">
+              <a:solidFill>
+                <a:schemeClr val="tx1">
+                  <a:lumMod val="65000"/>
+                  <a:lumOff val="35000"/>
+                </a:schemeClr>
+              </a:solidFill>
+              <a:latin typeface="Open Sans Light" panose="020B0306030504020204" pitchFamily="34" charset="0"/>
+              <a:ea typeface="Open Sans Light" panose="020B0306030504020204" pitchFamily="34" charset="0"/>
+              <a:cs typeface="Open Sans Light" panose="020B0306030504020204" pitchFamily="34" charset="0"/>
+            </a:endParaRPr>
+          </a:p>
+        </p:txBody>
+      </p:sp>
+      <p:pic>
+        <p:nvPicPr>
+          <p:cNvPr id="15" name="Imagen 14" descr="Logotipo&#10;&#10;El contenido generado por IA puede ser incorrecto.">
+            <a:extLst>
+              <a:ext uri="{FF2B5EF4-FFF2-40B4-BE49-F238E27FC236}">
+                <a16:creationId xmlns:a16="http://schemas.microsoft.com/office/drawing/2014/main" id="{C0358576-86B9-C338-F6E2-F2308F7CA01B}"/>
+              </a:ext>
+            </a:extLst>
+          </p:cNvPr>
+          <p:cNvPicPr>
+            <a:picLocks noChangeAspect="1"/>
+          </p:cNvPicPr>
+          <p:nvPr/>
+        </p:nvPicPr>
+        <p:blipFill>
+          <a:blip r:embed="rId2">
+            <a:extLst>
+              <a:ext uri="{28A0092B-C50C-407E-A947-70E740481C1C}">
+                <a14:useLocalDpi xmlns:a14="http://schemas.microsoft.com/office/drawing/2010/main" val="0"/>
+              </a:ext>
+            </a:extLst>
+          </a:blip>
+          <a:stretch>
+            <a:fillRect/>
+          </a:stretch>
+        </p:blipFill>
+        <p:spPr>
+          <a:xfrm>
+            <a:off x="5305732" y="8289798"/>
+            <a:ext cx="380926" cy="380926"/>
+          </a:xfrm>
+          <a:prstGeom prst="rect">
+            <a:avLst/>
+          </a:prstGeom>
+        </p:spPr>
+      </p:pic>
+      <p:sp>
+        <p:nvSpPr>
+          <p:cNvPr id="16" name="CuadroTexto 15">
+            <a:extLst>
+              <a:ext uri="{FF2B5EF4-FFF2-40B4-BE49-F238E27FC236}">
+                <a16:creationId xmlns:a16="http://schemas.microsoft.com/office/drawing/2014/main" id="{B04422E5-C03F-127F-E384-E415BE18F3D0}"/>
+              </a:ext>
+            </a:extLst>
+          </p:cNvPr>
+          <p:cNvSpPr txBox="1"/>
+          <p:nvPr/>
+        </p:nvSpPr>
+        <p:spPr>
+          <a:xfrm>
+            <a:off x="11040752" y="9084691"/>
+            <a:ext cx="1003300" cy="246221"/>
+          </a:xfrm>
+          <a:prstGeom prst="rect">
+            <a:avLst/>
+          </a:prstGeom>
+          <a:noFill/>
+        </p:spPr>
+        <p:txBody>
+          <a:bodyPr wrap="square" rtlCol="0">
+            <a:spAutoFit/>
+          </a:bodyPr>
+          <a:lstStyle/>
+          <a:p>
+            <a:r>
+              <a:rPr lang="es-ES" sz="1000" dirty="0">
+                <a:solidFill>
+                  <a:schemeClr val="tx1">
+                    <a:lumMod val="65000"/>
+                    <a:lumOff val="35000"/>
+                  </a:schemeClr>
+                </a:solidFill>
+                <a:latin typeface="Open Sans Light" panose="020B0306030504020204" pitchFamily="34" charset="0"/>
+                <a:ea typeface="Open Sans Light" panose="020B0306030504020204" pitchFamily="34" charset="0"/>
+                <a:cs typeface="Open Sans Light" panose="020B0306030504020204" pitchFamily="34" charset="0"/>
+              </a:rPr>
+              <a:t>Songs</a:t>
+            </a:r>
+            <a:endParaRPr lang="ca-ES" sz="1000" dirty="0">
+              <a:solidFill>
+                <a:schemeClr val="tx1">
+                  <a:lumMod val="65000"/>
+                  <a:lumOff val="35000"/>
+                </a:schemeClr>
+              </a:solidFill>
+              <a:latin typeface="Open Sans Light" panose="020B0306030504020204" pitchFamily="34" charset="0"/>
+              <a:ea typeface="Open Sans Light" panose="020B0306030504020204" pitchFamily="34" charset="0"/>
+              <a:cs typeface="Open Sans Light" panose="020B0306030504020204" pitchFamily="34" charset="0"/>
+            </a:endParaRPr>
+          </a:p>
+        </p:txBody>
+      </p:sp>
+      <p:sp>
+        <p:nvSpPr>
+          <p:cNvPr id="17" name="CuadroTexto 16">
+            <a:extLst>
+              <a:ext uri="{FF2B5EF4-FFF2-40B4-BE49-F238E27FC236}">
+                <a16:creationId xmlns:a16="http://schemas.microsoft.com/office/drawing/2014/main" id="{0A6ED3D2-9B57-958E-F4C4-ECD081002D31}"/>
+              </a:ext>
+            </a:extLst>
+          </p:cNvPr>
+          <p:cNvSpPr txBox="1"/>
+          <p:nvPr/>
+        </p:nvSpPr>
+        <p:spPr>
+          <a:xfrm>
+            <a:off x="11040752" y="8484664"/>
+            <a:ext cx="1003300" cy="246221"/>
+          </a:xfrm>
+          <a:prstGeom prst="rect">
+            <a:avLst/>
+          </a:prstGeom>
+          <a:noFill/>
+        </p:spPr>
+        <p:txBody>
+          <a:bodyPr wrap="square" rtlCol="0">
+            <a:spAutoFit/>
+          </a:bodyPr>
+          <a:lstStyle/>
+          <a:p>
+            <a:r>
+              <a:rPr lang="es-ES" sz="1000" dirty="0">
+                <a:solidFill>
+                  <a:schemeClr val="tx1">
+                    <a:lumMod val="65000"/>
+                    <a:lumOff val="35000"/>
+                  </a:schemeClr>
+                </a:solidFill>
+                <a:latin typeface="Open Sans Light" panose="020B0306030504020204" pitchFamily="34" charset="0"/>
+                <a:ea typeface="Open Sans Light" panose="020B0306030504020204" pitchFamily="34" charset="0"/>
+                <a:cs typeface="Open Sans Light" panose="020B0306030504020204" pitchFamily="34" charset="0"/>
+              </a:rPr>
+              <a:t>CDs</a:t>
+            </a:r>
+            <a:endParaRPr lang="ca-ES" sz="1000" dirty="0">
+              <a:solidFill>
+                <a:schemeClr val="tx1">
+                  <a:lumMod val="65000"/>
+                  <a:lumOff val="35000"/>
+                </a:schemeClr>
+              </a:solidFill>
+              <a:latin typeface="Open Sans Light" panose="020B0306030504020204" pitchFamily="34" charset="0"/>
+              <a:ea typeface="Open Sans Light" panose="020B0306030504020204" pitchFamily="34" charset="0"/>
+              <a:cs typeface="Open Sans Light" panose="020B0306030504020204" pitchFamily="34" charset="0"/>
+            </a:endParaRPr>
+          </a:p>
+        </p:txBody>
+      </p:sp>
+      <p:sp>
+        <p:nvSpPr>
+          <p:cNvPr id="18" name="CuadroTexto 17">
+            <a:extLst>
+              <a:ext uri="{FF2B5EF4-FFF2-40B4-BE49-F238E27FC236}">
+                <a16:creationId xmlns:a16="http://schemas.microsoft.com/office/drawing/2014/main" id="{519A4C99-84B4-4409-2F54-8A7E77A70E5D}"/>
+              </a:ext>
+            </a:extLst>
+          </p:cNvPr>
+          <p:cNvSpPr txBox="1"/>
+          <p:nvPr/>
+        </p:nvSpPr>
+        <p:spPr>
+          <a:xfrm>
+            <a:off x="11040752" y="9673499"/>
+            <a:ext cx="1229810" cy="246221"/>
+          </a:xfrm>
+          <a:prstGeom prst="rect">
+            <a:avLst/>
+          </a:prstGeom>
+          <a:noFill/>
+        </p:spPr>
+        <p:txBody>
+          <a:bodyPr wrap="square" rtlCol="0">
+            <a:spAutoFit/>
+          </a:bodyPr>
+          <a:lstStyle/>
+          <a:p>
+            <a:r>
+              <a:rPr lang="es-ES" sz="1000" dirty="0">
+                <a:solidFill>
+                  <a:schemeClr val="tx1">
+                    <a:lumMod val="65000"/>
+                    <a:lumOff val="35000"/>
+                  </a:schemeClr>
+                </a:solidFill>
+                <a:latin typeface="Open Sans Light" panose="020B0306030504020204" pitchFamily="34" charset="0"/>
+                <a:ea typeface="Open Sans Light" panose="020B0306030504020204" pitchFamily="34" charset="0"/>
+                <a:cs typeface="Open Sans Light" panose="020B0306030504020204" pitchFamily="34" charset="0"/>
+              </a:rPr>
+              <a:t>Artists</a:t>
+            </a:r>
+            <a:endParaRPr lang="ca-ES" sz="1000" dirty="0">
+              <a:solidFill>
+                <a:schemeClr val="tx1">
+                  <a:lumMod val="65000"/>
+                  <a:lumOff val="35000"/>
+                </a:schemeClr>
+              </a:solidFill>
+              <a:latin typeface="Open Sans Light" panose="020B0306030504020204" pitchFamily="34" charset="0"/>
+              <a:ea typeface="Open Sans Light" panose="020B0306030504020204" pitchFamily="34" charset="0"/>
+              <a:cs typeface="Open Sans Light" panose="020B0306030504020204" pitchFamily="34" charset="0"/>
+            </a:endParaRPr>
+          </a:p>
+        </p:txBody>
+      </p:sp>
+      <p:pic>
+        <p:nvPicPr>
+          <p:cNvPr id="20" name="Imagen 19" descr="Interfaz de usuario gráfica, Aplicación&#10;&#10;El contenido generado por IA puede ser incorrecto.">
+            <a:extLst>
+              <a:ext uri="{FF2B5EF4-FFF2-40B4-BE49-F238E27FC236}">
+                <a16:creationId xmlns:a16="http://schemas.microsoft.com/office/drawing/2014/main" id="{EC239262-A3F6-42BE-2B6B-89F7482BA336}"/>
+              </a:ext>
+            </a:extLst>
+          </p:cNvPr>
+          <p:cNvPicPr>
+            <a:picLocks noChangeAspect="1"/>
+          </p:cNvPicPr>
+          <p:nvPr/>
+        </p:nvPicPr>
+        <p:blipFill>
+          <a:blip r:embed="rId3">
+            <a:extLst>
+              <a:ext uri="{28A0092B-C50C-407E-A947-70E740481C1C}">
+                <a14:useLocalDpi xmlns:a14="http://schemas.microsoft.com/office/drawing/2010/main" val="0"/>
+              </a:ext>
+            </a:extLst>
+          </a:blip>
+          <a:stretch>
+            <a:fillRect/>
+          </a:stretch>
+        </p:blipFill>
+        <p:spPr>
+          <a:xfrm>
+            <a:off x="7771676" y="8289798"/>
+            <a:ext cx="380927" cy="380927"/>
+          </a:xfrm>
+          <a:prstGeom prst="rect">
+            <a:avLst/>
+          </a:prstGeom>
+        </p:spPr>
+      </p:pic>
+      <p:pic>
+        <p:nvPicPr>
+          <p:cNvPr id="22" name="Imagen 21" descr="Icono&#10;&#10;El contenido generado por IA puede ser incorrecto.">
+            <a:extLst>
+              <a:ext uri="{FF2B5EF4-FFF2-40B4-BE49-F238E27FC236}">
+                <a16:creationId xmlns:a16="http://schemas.microsoft.com/office/drawing/2014/main" id="{6341A966-1535-4953-BA57-0491FF52B6CF}"/>
+              </a:ext>
+            </a:extLst>
+          </p:cNvPr>
+          <p:cNvPicPr>
+            <a:picLocks noChangeAspect="1"/>
+          </p:cNvPicPr>
+          <p:nvPr/>
+        </p:nvPicPr>
+        <p:blipFill>
+          <a:blip r:embed="rId4">
+            <a:extLst>
+              <a:ext uri="{28A0092B-C50C-407E-A947-70E740481C1C}">
+                <a14:useLocalDpi xmlns:a14="http://schemas.microsoft.com/office/drawing/2010/main" val="0"/>
+              </a:ext>
+            </a:extLst>
+          </a:blip>
+          <a:stretch>
+            <a:fillRect/>
+          </a:stretch>
+        </p:blipFill>
+        <p:spPr>
+          <a:xfrm>
+            <a:off x="10549251" y="8325518"/>
+            <a:ext cx="348421" cy="348421"/>
+          </a:xfrm>
+          <a:prstGeom prst="rect">
+            <a:avLst/>
+          </a:prstGeom>
+        </p:spPr>
+      </p:pic>
+    </p:spTree>
+    <p:extLst>
+      <p:ext uri="{BB962C8B-B14F-4D97-AF65-F5344CB8AC3E}">
+        <p14:creationId xmlns:p14="http://schemas.microsoft.com/office/powerpoint/2010/main" val="2389938319"/>
+      </p:ext>
+    </p:extLst>
+  </p:cSld>
+  <p:clrMapOvr>
+    <a:masterClrMapping/>
+  </p:clrMapOvr>
+</p:sld>
+</file>
+
+<file path=ppt/slides/slide3.xml><?xml version="1.0" encoding="utf-8"?>
+<p:sld xmlns:a="http://schemas.openxmlformats.org/drawingml/2006/main" xmlns:r="http://schemas.openxmlformats.org/officeDocument/2006/relationships" xmlns:p="http://schemas.openxmlformats.org/presentationml/2006/main">
+  <p:cSld>
+    <p:bg>
+      <p:bgPr>
+        <a:gradFill flip="none" rotWithShape="1">
+          <a:gsLst>
+            <a:gs pos="31000">
+              <a:schemeClr val="bg1">
+                <a:lumMod val="95000"/>
+              </a:schemeClr>
+            </a:gs>
+            <a:gs pos="77000">
+              <a:schemeClr val="bg1">
+                <a:lumMod val="95000"/>
+              </a:schemeClr>
+            </a:gs>
+            <a:gs pos="53000">
+              <a:schemeClr val="bg1">
+                <a:lumMod val="95000"/>
+              </a:schemeClr>
+            </a:gs>
+            <a:gs pos="0">
               <a:srgbClr val="FFFBEF"/>
             </a:gs>
             <a:gs pos="100000">
@@ -3797,7 +4694,7 @@
 </p:sld>
 </file>
 
-<file path=ppt/slides/slide3.xml><?xml version="1.0" encoding="utf-8"?>
+<file path=ppt/slides/slide4.xml><?xml version="1.0" encoding="utf-8"?>
 <p:sld xmlns:a="http://schemas.openxmlformats.org/drawingml/2006/main" xmlns:r="http://schemas.openxmlformats.org/officeDocument/2006/relationships" xmlns:p="http://schemas.openxmlformats.org/presentationml/2006/main">
   <p:cSld>
     <p:bg>
@@ -4183,7 +5080,7 @@
 </p:sld>
 </file>
 
-<file path=ppt/slides/slide4.xml><?xml version="1.0" encoding="utf-8"?>
+<file path=ppt/slides/slide5.xml><?xml version="1.0" encoding="utf-8"?>
 <p:sld xmlns:a="http://schemas.openxmlformats.org/drawingml/2006/main" xmlns:r="http://schemas.openxmlformats.org/officeDocument/2006/relationships" xmlns:p="http://schemas.openxmlformats.org/presentationml/2006/main">
   <p:cSld>
     <p:bg>
@@ -4441,7 +5338,7 @@
 </p:sld>
 </file>
 
-<file path=ppt/slides/slide5.xml><?xml version="1.0" encoding="utf-8"?>
+<file path=ppt/slides/slide6.xml><?xml version="1.0" encoding="utf-8"?>
 <p:sld xmlns:a="http://schemas.openxmlformats.org/drawingml/2006/main" xmlns:r="http://schemas.openxmlformats.org/officeDocument/2006/relationships" xmlns:p="http://schemas.openxmlformats.org/presentationml/2006/main">
   <p:cSld>
     <p:bg>
@@ -4690,264 +5587,6 @@
     <p:extLst>
       <p:ext uri="{BB962C8B-B14F-4D97-AF65-F5344CB8AC3E}">
         <p14:creationId xmlns:p14="http://schemas.microsoft.com/office/powerpoint/2010/main" val="4185383074"/>
-      </p:ext>
-    </p:extLst>
-  </p:cSld>
-  <p:clrMapOvr>
-    <a:masterClrMapping/>
-  </p:clrMapOvr>
-</p:sld>
-</file>
-
-<file path=ppt/slides/slide6.xml><?xml version="1.0" encoding="utf-8"?>
-<p:sld xmlns:a="http://schemas.openxmlformats.org/drawingml/2006/main" xmlns:r="http://schemas.openxmlformats.org/officeDocument/2006/relationships" xmlns:p="http://schemas.openxmlformats.org/presentationml/2006/main">
-  <p:cSld>
-    <p:bg>
-      <p:bgPr>
-        <a:gradFill flip="none" rotWithShape="1">
-          <a:gsLst>
-            <a:gs pos="31000">
-              <a:schemeClr val="bg1">
-                <a:lumMod val="95000"/>
-              </a:schemeClr>
-            </a:gs>
-            <a:gs pos="77000">
-              <a:schemeClr val="bg1">
-                <a:lumMod val="95000"/>
-              </a:schemeClr>
-            </a:gs>
-            <a:gs pos="53000">
-              <a:schemeClr val="bg1">
-                <a:lumMod val="95000"/>
-              </a:schemeClr>
-            </a:gs>
-            <a:gs pos="0">
-              <a:srgbClr val="FFFBEF"/>
-            </a:gs>
-            <a:gs pos="100000">
-              <a:srgbClr val="ECF3FA"/>
-            </a:gs>
-          </a:gsLst>
-          <a:lin ang="2700000" scaled="1"/>
-          <a:tileRect/>
-        </a:gradFill>
-        <a:effectLst/>
-      </p:bgPr>
-    </p:bg>
-    <p:spTree>
-      <p:nvGrpSpPr>
-        <p:cNvPr id="1" name="">
-          <a:extLst>
-            <a:ext uri="{FF2B5EF4-FFF2-40B4-BE49-F238E27FC236}">
-              <a16:creationId xmlns:a16="http://schemas.microsoft.com/office/drawing/2014/main" id="{9A452BB3-6277-7B0F-3710-4B5BFEEB9314}"/>
-            </a:ext>
-          </a:extLst>
-        </p:cNvPr>
-        <p:cNvGrpSpPr/>
-        <p:nvPr/>
-      </p:nvGrpSpPr>
-      <p:grpSpPr>
-        <a:xfrm>
-          <a:off x="0" y="0"/>
-          <a:ext cx="0" cy="0"/>
-          <a:chOff x="0" y="0"/>
-          <a:chExt cx="0" cy="0"/>
-        </a:xfrm>
-      </p:grpSpPr>
-      <p:sp>
-        <p:nvSpPr>
-          <p:cNvPr id="5" name="Rectángulo: esquinas redondeadas 4">
-            <a:extLst>
-              <a:ext uri="{FF2B5EF4-FFF2-40B4-BE49-F238E27FC236}">
-                <a16:creationId xmlns:a16="http://schemas.microsoft.com/office/drawing/2014/main" id="{A88D158F-0B6D-041C-DAFF-24594EDBD716}"/>
-              </a:ext>
-            </a:extLst>
-          </p:cNvPr>
-          <p:cNvSpPr/>
-          <p:nvPr/>
-        </p:nvSpPr>
-        <p:spPr>
-          <a:xfrm>
-            <a:off x="322224" y="464844"/>
-            <a:ext cx="17643551" cy="858853"/>
-          </a:xfrm>
-          <a:prstGeom prst="roundRect">
-            <a:avLst/>
-          </a:prstGeom>
-          <a:solidFill>
-            <a:schemeClr val="bg1"/>
-          </a:solidFill>
-          <a:ln>
-            <a:solidFill>
-              <a:schemeClr val="bg1"/>
-            </a:solidFill>
-          </a:ln>
-          <a:effectLst>
-            <a:outerShdw blurRad="50800" dist="38100" dir="2700000" algn="tl" rotWithShape="0">
-              <a:prstClr val="black">
-                <a:alpha val="10000"/>
-              </a:prstClr>
-            </a:outerShdw>
-            <a:softEdge rad="0"/>
-          </a:effectLst>
-        </p:spPr>
-        <p:style>
-          <a:lnRef idx="2">
-            <a:schemeClr val="accent1">
-              <a:shade val="15000"/>
-            </a:schemeClr>
-          </a:lnRef>
-          <a:fillRef idx="1">
-            <a:schemeClr val="accent1"/>
-          </a:fillRef>
-          <a:effectRef idx="0">
-            <a:schemeClr val="accent1"/>
-          </a:effectRef>
-          <a:fontRef idx="minor">
-            <a:schemeClr val="lt1"/>
-          </a:fontRef>
-        </p:style>
-        <p:txBody>
-          <a:bodyPr rtlCol="0" anchor="ctr"/>
-          <a:lstStyle/>
-          <a:p>
-            <a:pPr algn="ctr"/>
-            <a:endParaRPr lang="es-ES" sz="4050" dirty="0"/>
-          </a:p>
-        </p:txBody>
-      </p:sp>
-      <p:sp>
-        <p:nvSpPr>
-          <p:cNvPr id="10" name="Rectángulo: esquinas redondeadas 9">
-            <a:extLst>
-              <a:ext uri="{FF2B5EF4-FFF2-40B4-BE49-F238E27FC236}">
-                <a16:creationId xmlns:a16="http://schemas.microsoft.com/office/drawing/2014/main" id="{40D9BBF6-B933-2501-20EA-9EDD745CD4F5}"/>
-              </a:ext>
-            </a:extLst>
-          </p:cNvPr>
-          <p:cNvSpPr/>
-          <p:nvPr/>
-        </p:nvSpPr>
-        <p:spPr>
-          <a:xfrm>
-            <a:off x="336360" y="1581789"/>
-            <a:ext cx="5381534" cy="7867011"/>
-          </a:xfrm>
-          <a:prstGeom prst="roundRect">
-            <a:avLst>
-              <a:gd name="adj" fmla="val 3600"/>
-            </a:avLst>
-          </a:prstGeom>
-          <a:solidFill>
-            <a:schemeClr val="bg1"/>
-          </a:solidFill>
-          <a:ln>
-            <a:solidFill>
-              <a:schemeClr val="bg1"/>
-            </a:solidFill>
-          </a:ln>
-          <a:effectLst>
-            <a:outerShdw blurRad="50800" dist="38100" dir="2700000" algn="tl" rotWithShape="0">
-              <a:prstClr val="black">
-                <a:alpha val="10000"/>
-              </a:prstClr>
-            </a:outerShdw>
-            <a:softEdge rad="0"/>
-          </a:effectLst>
-        </p:spPr>
-        <p:style>
-          <a:lnRef idx="2">
-            <a:schemeClr val="accent1">
-              <a:shade val="15000"/>
-            </a:schemeClr>
-          </a:lnRef>
-          <a:fillRef idx="1">
-            <a:schemeClr val="accent1"/>
-          </a:fillRef>
-          <a:effectRef idx="0">
-            <a:schemeClr val="accent1"/>
-          </a:effectRef>
-          <a:fontRef idx="minor">
-            <a:schemeClr val="lt1"/>
-          </a:fontRef>
-        </p:style>
-        <p:txBody>
-          <a:bodyPr rtlCol="0" anchor="ctr"/>
-          <a:lstStyle/>
-          <a:p>
-            <a:pPr algn="ctr"/>
-            <a:endParaRPr lang="es-ES" sz="4050" dirty="0"/>
-          </a:p>
-        </p:txBody>
-      </p:sp>
-      <p:sp>
-        <p:nvSpPr>
-          <p:cNvPr id="2" name="Rectángulo: esquinas redondeadas 1">
-            <a:extLst>
-              <a:ext uri="{FF2B5EF4-FFF2-40B4-BE49-F238E27FC236}">
-                <a16:creationId xmlns:a16="http://schemas.microsoft.com/office/drawing/2014/main" id="{EE7AF0CD-F73E-8A7E-31D8-EFBCF7764D6D}"/>
-              </a:ext>
-            </a:extLst>
-          </p:cNvPr>
-          <p:cNvSpPr/>
-          <p:nvPr/>
-        </p:nvSpPr>
-        <p:spPr>
-          <a:xfrm>
-            <a:off x="5903089" y="1581789"/>
-            <a:ext cx="12062686" cy="7867011"/>
-          </a:xfrm>
-          <a:prstGeom prst="roundRect">
-            <a:avLst>
-              <a:gd name="adj" fmla="val 3600"/>
-            </a:avLst>
-          </a:prstGeom>
-          <a:solidFill>
-            <a:schemeClr val="bg1"/>
-          </a:solidFill>
-          <a:ln>
-            <a:solidFill>
-              <a:schemeClr val="bg1"/>
-            </a:solidFill>
-          </a:ln>
-          <a:effectLst>
-            <a:outerShdw blurRad="50800" dist="38100" dir="2700000" algn="tl" rotWithShape="0">
-              <a:prstClr val="black">
-                <a:alpha val="10000"/>
-              </a:prstClr>
-            </a:outerShdw>
-            <a:softEdge rad="0"/>
-          </a:effectLst>
-        </p:spPr>
-        <p:style>
-          <a:lnRef idx="2">
-            <a:schemeClr val="accent1">
-              <a:shade val="15000"/>
-            </a:schemeClr>
-          </a:lnRef>
-          <a:fillRef idx="1">
-            <a:schemeClr val="accent1"/>
-          </a:fillRef>
-          <a:effectRef idx="0">
-            <a:schemeClr val="accent1"/>
-          </a:effectRef>
-          <a:fontRef idx="minor">
-            <a:schemeClr val="lt1"/>
-          </a:fontRef>
-        </p:style>
-        <p:txBody>
-          <a:bodyPr rtlCol="0" anchor="ctr"/>
-          <a:lstStyle/>
-          <a:p>
-            <a:pPr algn="ctr"/>
-            <a:endParaRPr lang="es-ES" sz="4050" dirty="0"/>
-          </a:p>
-        </p:txBody>
-      </p:sp>
-    </p:spTree>
-    <p:extLst>
-      <p:ext uri="{BB962C8B-B14F-4D97-AF65-F5344CB8AC3E}">
-        <p14:creationId xmlns:p14="http://schemas.microsoft.com/office/powerpoint/2010/main" val="2122506864"/>
       </p:ext>
     </p:extLst>
   </p:cSld>
@@ -5088,8 +5727,8 @@
         </p:nvSpPr>
         <p:spPr>
           <a:xfrm>
-            <a:off x="336361" y="1581789"/>
-            <a:ext cx="8721762" cy="8096798"/>
+            <a:off x="336360" y="1581789"/>
+            <a:ext cx="5381534" cy="7867011"/>
           </a:xfrm>
           <a:prstGeom prst="roundRect">
             <a:avLst>
@@ -5140,6 +5779,264 @@
       </p:sp>
       <p:sp>
         <p:nvSpPr>
+          <p:cNvPr id="2" name="Rectángulo: esquinas redondeadas 1">
+            <a:extLst>
+              <a:ext uri="{FF2B5EF4-FFF2-40B4-BE49-F238E27FC236}">
+                <a16:creationId xmlns:a16="http://schemas.microsoft.com/office/drawing/2014/main" id="{EE7AF0CD-F73E-8A7E-31D8-EFBCF7764D6D}"/>
+              </a:ext>
+            </a:extLst>
+          </p:cNvPr>
+          <p:cNvSpPr/>
+          <p:nvPr/>
+        </p:nvSpPr>
+        <p:spPr>
+          <a:xfrm>
+            <a:off x="5903089" y="1581789"/>
+            <a:ext cx="12062686" cy="7867011"/>
+          </a:xfrm>
+          <a:prstGeom prst="roundRect">
+            <a:avLst>
+              <a:gd name="adj" fmla="val 3600"/>
+            </a:avLst>
+          </a:prstGeom>
+          <a:solidFill>
+            <a:schemeClr val="bg1"/>
+          </a:solidFill>
+          <a:ln>
+            <a:solidFill>
+              <a:schemeClr val="bg1"/>
+            </a:solidFill>
+          </a:ln>
+          <a:effectLst>
+            <a:outerShdw blurRad="50800" dist="38100" dir="2700000" algn="tl" rotWithShape="0">
+              <a:prstClr val="black">
+                <a:alpha val="10000"/>
+              </a:prstClr>
+            </a:outerShdw>
+            <a:softEdge rad="0"/>
+          </a:effectLst>
+        </p:spPr>
+        <p:style>
+          <a:lnRef idx="2">
+            <a:schemeClr val="accent1">
+              <a:shade val="15000"/>
+            </a:schemeClr>
+          </a:lnRef>
+          <a:fillRef idx="1">
+            <a:schemeClr val="accent1"/>
+          </a:fillRef>
+          <a:effectRef idx="0">
+            <a:schemeClr val="accent1"/>
+          </a:effectRef>
+          <a:fontRef idx="minor">
+            <a:schemeClr val="lt1"/>
+          </a:fontRef>
+        </p:style>
+        <p:txBody>
+          <a:bodyPr rtlCol="0" anchor="ctr"/>
+          <a:lstStyle/>
+          <a:p>
+            <a:pPr algn="ctr"/>
+            <a:endParaRPr lang="es-ES" sz="4050" dirty="0"/>
+          </a:p>
+        </p:txBody>
+      </p:sp>
+    </p:spTree>
+    <p:extLst>
+      <p:ext uri="{BB962C8B-B14F-4D97-AF65-F5344CB8AC3E}">
+        <p14:creationId xmlns:p14="http://schemas.microsoft.com/office/powerpoint/2010/main" val="2122506864"/>
+      </p:ext>
+    </p:extLst>
+  </p:cSld>
+  <p:clrMapOvr>
+    <a:masterClrMapping/>
+  </p:clrMapOvr>
+</p:sld>
+</file>
+
+<file path=ppt/slides/slide8.xml><?xml version="1.0" encoding="utf-8"?>
+<p:sld xmlns:a="http://schemas.openxmlformats.org/drawingml/2006/main" xmlns:r="http://schemas.openxmlformats.org/officeDocument/2006/relationships" xmlns:p="http://schemas.openxmlformats.org/presentationml/2006/main">
+  <p:cSld>
+    <p:bg>
+      <p:bgPr>
+        <a:gradFill flip="none" rotWithShape="1">
+          <a:gsLst>
+            <a:gs pos="31000">
+              <a:schemeClr val="bg1">
+                <a:lumMod val="95000"/>
+              </a:schemeClr>
+            </a:gs>
+            <a:gs pos="77000">
+              <a:schemeClr val="bg1">
+                <a:lumMod val="95000"/>
+              </a:schemeClr>
+            </a:gs>
+            <a:gs pos="53000">
+              <a:schemeClr val="bg1">
+                <a:lumMod val="95000"/>
+              </a:schemeClr>
+            </a:gs>
+            <a:gs pos="0">
+              <a:srgbClr val="FFFBEF"/>
+            </a:gs>
+            <a:gs pos="100000">
+              <a:srgbClr val="ECF3FA"/>
+            </a:gs>
+          </a:gsLst>
+          <a:lin ang="2700000" scaled="1"/>
+          <a:tileRect/>
+        </a:gradFill>
+        <a:effectLst/>
+      </p:bgPr>
+    </p:bg>
+    <p:spTree>
+      <p:nvGrpSpPr>
+        <p:cNvPr id="1" name="">
+          <a:extLst>
+            <a:ext uri="{FF2B5EF4-FFF2-40B4-BE49-F238E27FC236}">
+              <a16:creationId xmlns:a16="http://schemas.microsoft.com/office/drawing/2014/main" id="{9A452BB3-6277-7B0F-3710-4B5BFEEB9314}"/>
+            </a:ext>
+          </a:extLst>
+        </p:cNvPr>
+        <p:cNvGrpSpPr/>
+        <p:nvPr/>
+      </p:nvGrpSpPr>
+      <p:grpSpPr>
+        <a:xfrm>
+          <a:off x="0" y="0"/>
+          <a:ext cx="0" cy="0"/>
+          <a:chOff x="0" y="0"/>
+          <a:chExt cx="0" cy="0"/>
+        </a:xfrm>
+      </p:grpSpPr>
+      <p:sp>
+        <p:nvSpPr>
+          <p:cNvPr id="5" name="Rectángulo: esquinas redondeadas 4">
+            <a:extLst>
+              <a:ext uri="{FF2B5EF4-FFF2-40B4-BE49-F238E27FC236}">
+                <a16:creationId xmlns:a16="http://schemas.microsoft.com/office/drawing/2014/main" id="{A88D158F-0B6D-041C-DAFF-24594EDBD716}"/>
+              </a:ext>
+            </a:extLst>
+          </p:cNvPr>
+          <p:cNvSpPr/>
+          <p:nvPr/>
+        </p:nvSpPr>
+        <p:spPr>
+          <a:xfrm>
+            <a:off x="322224" y="464844"/>
+            <a:ext cx="17643551" cy="858853"/>
+          </a:xfrm>
+          <a:prstGeom prst="roundRect">
+            <a:avLst/>
+          </a:prstGeom>
+          <a:solidFill>
+            <a:schemeClr val="bg1"/>
+          </a:solidFill>
+          <a:ln>
+            <a:solidFill>
+              <a:schemeClr val="bg1"/>
+            </a:solidFill>
+          </a:ln>
+          <a:effectLst>
+            <a:outerShdw blurRad="50800" dist="38100" dir="2700000" algn="tl" rotWithShape="0">
+              <a:prstClr val="black">
+                <a:alpha val="10000"/>
+              </a:prstClr>
+            </a:outerShdw>
+            <a:softEdge rad="0"/>
+          </a:effectLst>
+        </p:spPr>
+        <p:style>
+          <a:lnRef idx="2">
+            <a:schemeClr val="accent1">
+              <a:shade val="15000"/>
+            </a:schemeClr>
+          </a:lnRef>
+          <a:fillRef idx="1">
+            <a:schemeClr val="accent1"/>
+          </a:fillRef>
+          <a:effectRef idx="0">
+            <a:schemeClr val="accent1"/>
+          </a:effectRef>
+          <a:fontRef idx="minor">
+            <a:schemeClr val="lt1"/>
+          </a:fontRef>
+        </p:style>
+        <p:txBody>
+          <a:bodyPr rtlCol="0" anchor="ctr"/>
+          <a:lstStyle/>
+          <a:p>
+            <a:pPr algn="ctr"/>
+            <a:endParaRPr lang="es-ES" sz="4050" dirty="0"/>
+          </a:p>
+        </p:txBody>
+      </p:sp>
+      <p:sp>
+        <p:nvSpPr>
+          <p:cNvPr id="10" name="Rectángulo: esquinas redondeadas 9">
+            <a:extLst>
+              <a:ext uri="{FF2B5EF4-FFF2-40B4-BE49-F238E27FC236}">
+                <a16:creationId xmlns:a16="http://schemas.microsoft.com/office/drawing/2014/main" id="{40D9BBF6-B933-2501-20EA-9EDD745CD4F5}"/>
+              </a:ext>
+            </a:extLst>
+          </p:cNvPr>
+          <p:cNvSpPr/>
+          <p:nvPr/>
+        </p:nvSpPr>
+        <p:spPr>
+          <a:xfrm>
+            <a:off x="336361" y="1581789"/>
+            <a:ext cx="8721762" cy="8096798"/>
+          </a:xfrm>
+          <a:prstGeom prst="roundRect">
+            <a:avLst>
+              <a:gd name="adj" fmla="val 3600"/>
+            </a:avLst>
+          </a:prstGeom>
+          <a:solidFill>
+            <a:schemeClr val="bg1"/>
+          </a:solidFill>
+          <a:ln>
+            <a:solidFill>
+              <a:schemeClr val="bg1"/>
+            </a:solidFill>
+          </a:ln>
+          <a:effectLst>
+            <a:outerShdw blurRad="50800" dist="38100" dir="2700000" algn="tl" rotWithShape="0">
+              <a:prstClr val="black">
+                <a:alpha val="10000"/>
+              </a:prstClr>
+            </a:outerShdw>
+            <a:softEdge rad="0"/>
+          </a:effectLst>
+        </p:spPr>
+        <p:style>
+          <a:lnRef idx="2">
+            <a:schemeClr val="accent1">
+              <a:shade val="15000"/>
+            </a:schemeClr>
+          </a:lnRef>
+          <a:fillRef idx="1">
+            <a:schemeClr val="accent1"/>
+          </a:fillRef>
+          <a:effectRef idx="0">
+            <a:schemeClr val="accent1"/>
+          </a:effectRef>
+          <a:fontRef idx="minor">
+            <a:schemeClr val="lt1"/>
+          </a:fontRef>
+        </p:style>
+        <p:txBody>
+          <a:bodyPr rtlCol="0" anchor="ctr"/>
+          <a:lstStyle/>
+          <a:p>
+            <a:pPr algn="ctr"/>
+            <a:endParaRPr lang="es-ES" sz="4050" dirty="0"/>
+          </a:p>
+        </p:txBody>
+      </p:sp>
+      <p:sp>
+        <p:nvSpPr>
           <p:cNvPr id="3" name="Rectángulo: esquinas redondeadas 2">
             <a:extLst>
               <a:ext uri="{FF2B5EF4-FFF2-40B4-BE49-F238E27FC236}">
@@ -5279,7 +6176,7 @@
 </p:sld>
 </file>
 
-<file path=ppt/slides/slide8.xml><?xml version="1.0" encoding="utf-8"?>
+<file path=ppt/slides/slide9.xml><?xml version="1.0" encoding="utf-8"?>
 <p:sld xmlns:a="http://schemas.openxmlformats.org/drawingml/2006/main" xmlns:r="http://schemas.openxmlformats.org/officeDocument/2006/relationships" xmlns:p="http://schemas.openxmlformats.org/presentationml/2006/main">
   <p:cSld>
     <p:bg>
